--- a/Presentation.pptx
+++ b/Presentation.pptx
@@ -18,10 +18,9 @@
     <p:sldId id="271" r:id="rId12"/>
     <p:sldId id="268" r:id="rId13"/>
     <p:sldId id="269" r:id="rId14"/>
-    <p:sldId id="259" r:id="rId15"/>
-    <p:sldId id="266" r:id="rId16"/>
-    <p:sldId id="270" r:id="rId17"/>
-    <p:sldId id="275" r:id="rId18"/>
+    <p:sldId id="266" r:id="rId15"/>
+    <p:sldId id="270" r:id="rId16"/>
+    <p:sldId id="275" r:id="rId17"/>
   </p:sldIdLst>
   <p:sldSz cx="12192000" cy="6858000"/>
   <p:notesSz cx="6858000" cy="9144000"/>
@@ -12961,9 +12960,10 @@
           </a:bodyPr>
           <a:lstStyle/>
           <a:p>
+            <a:pPr algn="ctr"/>
             <a:r>
               <a:rPr lang="en-US" sz="4800" dirty="0"/>
-              <a:t>SEGMENTATION RESULTS</a:t>
+              <a:t>RESULTS</a:t>
             </a:r>
           </a:p>
         </p:txBody>
@@ -13503,7 +13503,7 @@
           <p:cNvPr id="2" name="Title 1">
             <a:extLst>
               <a:ext uri="{FF2B5EF4-FFF2-40B4-BE49-F238E27FC236}">
-                <a16:creationId xmlns:a16="http://schemas.microsoft.com/office/drawing/2014/main" id="{026FAE33-C74E-42C3-A725-373E61E44BE0}"/>
+                <a16:creationId xmlns:a16="http://schemas.microsoft.com/office/drawing/2014/main" id="{26DD3F61-E450-4FF2-8774-BE97CF695B68}"/>
               </a:ext>
             </a:extLst>
           </p:cNvPr>
@@ -13511,34 +13511,28 @@
             <a:spLocks noGrp="1"/>
           </p:cNvSpPr>
           <p:nvPr>
-            <p:ph type="title"/>
+            <p:ph type="ctrTitle"/>
           </p:nvPr>
         </p:nvSpPr>
-        <p:spPr>
-          <a:xfrm>
-            <a:off x="5885895" y="806555"/>
-            <a:ext cx="1207363" cy="1080938"/>
-          </a:xfrm>
-        </p:spPr>
-        <p:txBody>
-          <a:bodyPr>
-            <a:noAutofit/>
-          </a:bodyPr>
+        <p:spPr/>
+        <p:txBody>
+          <a:bodyPr/>
           <a:lstStyle/>
           <a:p>
+            <a:pPr algn="ctr"/>
             <a:r>
-              <a:rPr lang="en-US" sz="4800" dirty="0"/>
-              <a:t>GUI</a:t>
+              <a:rPr lang="en-US" sz="8800" dirty="0"/>
+              <a:t>THANK YOU!</a:t>
             </a:r>
           </a:p>
         </p:txBody>
       </p:sp>
       <p:pic>
         <p:nvPicPr>
-          <p:cNvPr id="11" name="Picture 10" descr="A picture containing text, clipart&#10;&#10;Description automatically generated">
-            <a:extLst>
-              <a:ext uri="{FF2B5EF4-FFF2-40B4-BE49-F238E27FC236}">
-                <a16:creationId xmlns:a16="http://schemas.microsoft.com/office/drawing/2014/main" id="{7EA99C26-CB42-4931-A78F-DF386ABAD229}"/>
+          <p:cNvPr id="7" name="Picture 6" descr="A picture containing text, clipart&#10;&#10;Description automatically generated">
+            <a:extLst>
+              <a:ext uri="{FF2B5EF4-FFF2-40B4-BE49-F238E27FC236}">
+                <a16:creationId xmlns:a16="http://schemas.microsoft.com/office/drawing/2014/main" id="{E7A51F21-F5D0-4233-A9C2-99C28620546F}"/>
               </a:ext>
             </a:extLst>
           </p:cNvPr>
@@ -13560,7 +13554,7 @@
         </p:blipFill>
         <p:spPr>
           <a:xfrm>
-            <a:off x="10698329" y="711823"/>
+            <a:off x="9126982" y="2813789"/>
             <a:ext cx="1428567" cy="1066632"/>
           </a:xfrm>
           <a:prstGeom prst="rect">
@@ -13570,10 +13564,10 @@
       </p:pic>
       <p:pic>
         <p:nvPicPr>
-          <p:cNvPr id="12" name="Picture 11" descr="Logo&#10;&#10;Description automatically generated">
-            <a:extLst>
-              <a:ext uri="{FF2B5EF4-FFF2-40B4-BE49-F238E27FC236}">
-                <a16:creationId xmlns:a16="http://schemas.microsoft.com/office/drawing/2014/main" id="{31096BF7-F790-4FD5-91D9-38955A8DC212}"/>
+          <p:cNvPr id="8" name="Picture 7" descr="Logo&#10;&#10;Description automatically generated">
+            <a:extLst>
+              <a:ext uri="{FF2B5EF4-FFF2-40B4-BE49-F238E27FC236}">
+                <a16:creationId xmlns:a16="http://schemas.microsoft.com/office/drawing/2014/main" id="{C305FC2B-B98F-44B7-B3D1-71017055163F}"/>
               </a:ext>
             </a:extLst>
           </p:cNvPr>
@@ -13596,38 +13590,8 @@
         </p:blipFill>
         <p:spPr>
           <a:xfrm>
-            <a:off x="289555" y="806555"/>
+            <a:off x="10662082" y="2904031"/>
             <a:ext cx="1449822" cy="886149"/>
-          </a:xfrm>
-          <a:prstGeom prst="rect">
-            <a:avLst/>
-          </a:prstGeom>
-        </p:spPr>
-      </p:pic>
-      <p:pic>
-        <p:nvPicPr>
-          <p:cNvPr id="6" name="Picture 5">
-            <a:extLst>
-              <a:ext uri="{FF2B5EF4-FFF2-40B4-BE49-F238E27FC236}">
-                <a16:creationId xmlns:a16="http://schemas.microsoft.com/office/drawing/2014/main" id="{117E828F-31E3-4924-8A4A-715872E866D2}"/>
-              </a:ext>
-            </a:extLst>
-          </p:cNvPr>
-          <p:cNvPicPr>
-            <a:picLocks noChangeAspect="1"/>
-          </p:cNvPicPr>
-          <p:nvPr/>
-        </p:nvPicPr>
-        <p:blipFill>
-          <a:blip r:embed="rId4"/>
-          <a:stretch>
-            <a:fillRect/>
-          </a:stretch>
-        </p:blipFill>
-        <p:spPr>
-          <a:xfrm>
-            <a:off x="3624943" y="2086252"/>
-            <a:ext cx="5729268" cy="4511798"/>
           </a:xfrm>
           <a:prstGeom prst="rect">
             <a:avLst/>
@@ -13637,7 +13601,7 @@
     </p:spTree>
     <p:extLst>
       <p:ext uri="{BB962C8B-B14F-4D97-AF65-F5344CB8AC3E}">
-        <p14:creationId xmlns:p14="http://schemas.microsoft.com/office/powerpoint/2010/main" val="2977847197"/>
+        <p14:creationId xmlns:p14="http://schemas.microsoft.com/office/powerpoint/2010/main" val="1465299841"/>
       </p:ext>
     </p:extLst>
   </p:cSld>
@@ -13669,136 +13633,6 @@
           <p:cNvPr id="2" name="Title 1">
             <a:extLst>
               <a:ext uri="{FF2B5EF4-FFF2-40B4-BE49-F238E27FC236}">
-                <a16:creationId xmlns:a16="http://schemas.microsoft.com/office/drawing/2014/main" id="{26DD3F61-E450-4FF2-8774-BE97CF695B68}"/>
-              </a:ext>
-            </a:extLst>
-          </p:cNvPr>
-          <p:cNvSpPr>
-            <a:spLocks noGrp="1"/>
-          </p:cNvSpPr>
-          <p:nvPr>
-            <p:ph type="ctrTitle"/>
-          </p:nvPr>
-        </p:nvSpPr>
-        <p:spPr/>
-        <p:txBody>
-          <a:bodyPr/>
-          <a:lstStyle/>
-          <a:p>
-            <a:pPr algn="ctr"/>
-            <a:r>
-              <a:rPr lang="en-US" sz="8800" dirty="0"/>
-              <a:t>THANK YOU!</a:t>
-            </a:r>
-          </a:p>
-        </p:txBody>
-      </p:sp>
-      <p:pic>
-        <p:nvPicPr>
-          <p:cNvPr id="7" name="Picture 6" descr="A picture containing text, clipart&#10;&#10;Description automatically generated">
-            <a:extLst>
-              <a:ext uri="{FF2B5EF4-FFF2-40B4-BE49-F238E27FC236}">
-                <a16:creationId xmlns:a16="http://schemas.microsoft.com/office/drawing/2014/main" id="{E7A51F21-F5D0-4233-A9C2-99C28620546F}"/>
-              </a:ext>
-            </a:extLst>
-          </p:cNvPr>
-          <p:cNvPicPr>
-            <a:picLocks noChangeAspect="1"/>
-          </p:cNvPicPr>
-          <p:nvPr/>
-        </p:nvPicPr>
-        <p:blipFill rotWithShape="1">
-          <a:blip r:embed="rId2">
-            <a:extLst>
-              <a:ext uri="{28A0092B-C50C-407E-A947-70E740481C1C}">
-                <a14:useLocalDpi xmlns:a14="http://schemas.microsoft.com/office/drawing/2010/main" val="0"/>
-              </a:ext>
-            </a:extLst>
-          </a:blip>
-          <a:srcRect r="57677"/>
-          <a:stretch/>
-        </p:blipFill>
-        <p:spPr>
-          <a:xfrm>
-            <a:off x="9126982" y="2813789"/>
-            <a:ext cx="1428567" cy="1066632"/>
-          </a:xfrm>
-          <a:prstGeom prst="rect">
-            <a:avLst/>
-          </a:prstGeom>
-        </p:spPr>
-      </p:pic>
-      <p:pic>
-        <p:nvPicPr>
-          <p:cNvPr id="8" name="Picture 7" descr="Logo&#10;&#10;Description automatically generated">
-            <a:extLst>
-              <a:ext uri="{FF2B5EF4-FFF2-40B4-BE49-F238E27FC236}">
-                <a16:creationId xmlns:a16="http://schemas.microsoft.com/office/drawing/2014/main" id="{C305FC2B-B98F-44B7-B3D1-71017055163F}"/>
-              </a:ext>
-            </a:extLst>
-          </p:cNvPr>
-          <p:cNvPicPr>
-            <a:picLocks noChangeAspect="1"/>
-          </p:cNvPicPr>
-          <p:nvPr/>
-        </p:nvPicPr>
-        <p:blipFill>
-          <a:blip r:embed="rId3" cstate="print">
-            <a:extLst>
-              <a:ext uri="{28A0092B-C50C-407E-A947-70E740481C1C}">
-                <a14:useLocalDpi xmlns:a14="http://schemas.microsoft.com/office/drawing/2010/main" val="0"/>
-              </a:ext>
-            </a:extLst>
-          </a:blip>
-          <a:stretch>
-            <a:fillRect/>
-          </a:stretch>
-        </p:blipFill>
-        <p:spPr>
-          <a:xfrm>
-            <a:off x="10662082" y="2904031"/>
-            <a:ext cx="1449822" cy="886149"/>
-          </a:xfrm>
-          <a:prstGeom prst="rect">
-            <a:avLst/>
-          </a:prstGeom>
-        </p:spPr>
-      </p:pic>
-    </p:spTree>
-    <p:extLst>
-      <p:ext uri="{BB962C8B-B14F-4D97-AF65-F5344CB8AC3E}">
-        <p14:creationId xmlns:p14="http://schemas.microsoft.com/office/powerpoint/2010/main" val="1465299841"/>
-      </p:ext>
-    </p:extLst>
-  </p:cSld>
-  <p:clrMapOvr>
-    <a:masterClrMapping/>
-  </p:clrMapOvr>
-</p:sld>
-</file>
-
-<file path=ppt/slides/slide16.xml><?xml version="1.0" encoding="utf-8"?>
-<p:sld xmlns:a="http://schemas.openxmlformats.org/drawingml/2006/main" xmlns:r="http://schemas.openxmlformats.org/officeDocument/2006/relationships" xmlns:p="http://schemas.openxmlformats.org/presentationml/2006/main">
-  <p:cSld>
-    <p:spTree>
-      <p:nvGrpSpPr>
-        <p:cNvPr id="1" name=""/>
-        <p:cNvGrpSpPr/>
-        <p:nvPr/>
-      </p:nvGrpSpPr>
-      <p:grpSpPr>
-        <a:xfrm>
-          <a:off x="0" y="0"/>
-          <a:ext cx="0" cy="0"/>
-          <a:chOff x="0" y="0"/>
-          <a:chExt cx="0" cy="0"/>
-        </a:xfrm>
-      </p:grpSpPr>
-      <p:sp>
-        <p:nvSpPr>
-          <p:cNvPr id="2" name="Title 1">
-            <a:extLst>
-              <a:ext uri="{FF2B5EF4-FFF2-40B4-BE49-F238E27FC236}">
                 <a16:creationId xmlns:a16="http://schemas.microsoft.com/office/drawing/2014/main" id="{804754D7-9990-4FD3-80C7-BBA727B3295E}"/>
               </a:ext>
             </a:extLst>
@@ -13963,7 +13797,7 @@
 </p:sld>
 </file>
 
-<file path=ppt/slides/slide17.xml><?xml version="1.0" encoding="utf-8"?>
+<file path=ppt/slides/slide16.xml><?xml version="1.0" encoding="utf-8"?>
 <p:sld xmlns:a="http://schemas.openxmlformats.org/drawingml/2006/main" xmlns:r="http://schemas.openxmlformats.org/officeDocument/2006/relationships" xmlns:p="http://schemas.openxmlformats.org/presentationml/2006/main">
   <p:cSld>
     <p:spTree>
@@ -14206,7 +14040,7 @@
           <a:p>
             <a:r>
               <a:rPr lang="en-US" sz="4800" dirty="0"/>
-              <a:t>HEART DISEASE</a:t>
+              <a:t>CAMERA SHAKE</a:t>
             </a:r>
           </a:p>
         </p:txBody>
